--- a/images/Presentation1.pptx
+++ b/images/Presentation1.pptx
@@ -8,6 +8,7 @@
     <p:sldId id="256" r:id="rId2"/>
     <p:sldId id="258" r:id="rId3"/>
     <p:sldId id="257" r:id="rId4"/>
+    <p:sldId id="259" r:id="rId5"/>
   </p:sldIdLst>
   <p:sldSz cx="12192000" cy="6858000"/>
   <p:notesSz cx="6858000" cy="9144000"/>
@@ -263,7 +264,7 @@
           <a:p>
             <a:fld id="{B94AE1EA-241E-4D6B-A89B-B3D1E7B3E833}" type="datetimeFigureOut">
               <a:rPr lang="es-ES" smtClean="0"/>
-              <a:t>15/12/2021</a:t>
+              <a:t>16/12/2021</a:t>
             </a:fld>
             <a:endParaRPr lang="es-ES"/>
           </a:p>
@@ -463,7 +464,7 @@
           <a:p>
             <a:fld id="{B94AE1EA-241E-4D6B-A89B-B3D1E7B3E833}" type="datetimeFigureOut">
               <a:rPr lang="es-ES" smtClean="0"/>
-              <a:t>15/12/2021</a:t>
+              <a:t>16/12/2021</a:t>
             </a:fld>
             <a:endParaRPr lang="es-ES"/>
           </a:p>
@@ -673,7 +674,7 @@
           <a:p>
             <a:fld id="{B94AE1EA-241E-4D6B-A89B-B3D1E7B3E833}" type="datetimeFigureOut">
               <a:rPr lang="es-ES" smtClean="0"/>
-              <a:t>15/12/2021</a:t>
+              <a:t>16/12/2021</a:t>
             </a:fld>
             <a:endParaRPr lang="es-ES"/>
           </a:p>
@@ -873,7 +874,7 @@
           <a:p>
             <a:fld id="{B94AE1EA-241E-4D6B-A89B-B3D1E7B3E833}" type="datetimeFigureOut">
               <a:rPr lang="es-ES" smtClean="0"/>
-              <a:t>15/12/2021</a:t>
+              <a:t>16/12/2021</a:t>
             </a:fld>
             <a:endParaRPr lang="es-ES"/>
           </a:p>
@@ -1149,7 +1150,7 @@
           <a:p>
             <a:fld id="{B94AE1EA-241E-4D6B-A89B-B3D1E7B3E833}" type="datetimeFigureOut">
               <a:rPr lang="es-ES" smtClean="0"/>
-              <a:t>15/12/2021</a:t>
+              <a:t>16/12/2021</a:t>
             </a:fld>
             <a:endParaRPr lang="es-ES"/>
           </a:p>
@@ -1417,7 +1418,7 @@
           <a:p>
             <a:fld id="{B94AE1EA-241E-4D6B-A89B-B3D1E7B3E833}" type="datetimeFigureOut">
               <a:rPr lang="es-ES" smtClean="0"/>
-              <a:t>15/12/2021</a:t>
+              <a:t>16/12/2021</a:t>
             </a:fld>
             <a:endParaRPr lang="es-ES"/>
           </a:p>
@@ -1832,7 +1833,7 @@
           <a:p>
             <a:fld id="{B94AE1EA-241E-4D6B-A89B-B3D1E7B3E833}" type="datetimeFigureOut">
               <a:rPr lang="es-ES" smtClean="0"/>
-              <a:t>15/12/2021</a:t>
+              <a:t>16/12/2021</a:t>
             </a:fld>
             <a:endParaRPr lang="es-ES"/>
           </a:p>
@@ -1974,7 +1975,7 @@
           <a:p>
             <a:fld id="{B94AE1EA-241E-4D6B-A89B-B3D1E7B3E833}" type="datetimeFigureOut">
               <a:rPr lang="es-ES" smtClean="0"/>
-              <a:t>15/12/2021</a:t>
+              <a:t>16/12/2021</a:t>
             </a:fld>
             <a:endParaRPr lang="es-ES"/>
           </a:p>
@@ -2087,7 +2088,7 @@
           <a:p>
             <a:fld id="{B94AE1EA-241E-4D6B-A89B-B3D1E7B3E833}" type="datetimeFigureOut">
               <a:rPr lang="es-ES" smtClean="0"/>
-              <a:t>15/12/2021</a:t>
+              <a:t>16/12/2021</a:t>
             </a:fld>
             <a:endParaRPr lang="es-ES"/>
           </a:p>
@@ -2400,7 +2401,7 @@
           <a:p>
             <a:fld id="{B94AE1EA-241E-4D6B-A89B-B3D1E7B3E833}" type="datetimeFigureOut">
               <a:rPr lang="es-ES" smtClean="0"/>
-              <a:t>15/12/2021</a:t>
+              <a:t>16/12/2021</a:t>
             </a:fld>
             <a:endParaRPr lang="es-ES"/>
           </a:p>
@@ -2689,7 +2690,7 @@
           <a:p>
             <a:fld id="{B94AE1EA-241E-4D6B-A89B-B3D1E7B3E833}" type="datetimeFigureOut">
               <a:rPr lang="es-ES" smtClean="0"/>
-              <a:t>15/12/2021</a:t>
+              <a:t>16/12/2021</a:t>
             </a:fld>
             <a:endParaRPr lang="es-ES"/>
           </a:p>
@@ -2932,7 +2933,7 @@
           <a:p>
             <a:fld id="{B94AE1EA-241E-4D6B-A89B-B3D1E7B3E833}" type="datetimeFigureOut">
               <a:rPr lang="es-ES" smtClean="0"/>
-              <a:t>15/12/2021</a:t>
+              <a:t>16/12/2021</a:t>
             </a:fld>
             <a:endParaRPr lang="es-ES"/>
           </a:p>
@@ -3569,6 +3570,31 @@
           </p:spPr>
         </p:pic>
       </p:grpSp>
+      <p:sp>
+        <p:nvSpPr>
+          <p:cNvPr id="3" name="Title 2">
+            <a:extLst>
+              <a:ext uri="{FF2B5EF4-FFF2-40B4-BE49-F238E27FC236}">
+                <a16:creationId xmlns:a16="http://schemas.microsoft.com/office/drawing/2014/main" id="{DB2DA254-5284-4FE3-841F-296FE4BCE105}"/>
+              </a:ext>
+            </a:extLst>
+          </p:cNvPr>
+          <p:cNvSpPr>
+            <a:spLocks noGrp="1"/>
+          </p:cNvSpPr>
+          <p:nvPr>
+            <p:ph type="ctrTitle"/>
+          </p:nvPr>
+        </p:nvSpPr>
+        <p:spPr/>
+        <p:txBody>
+          <a:bodyPr/>
+          <a:lstStyle/>
+          <a:p>
+            <a:endParaRPr lang="es-ES"/>
+          </a:p>
+        </p:txBody>
+      </p:sp>
     </p:spTree>
     <p:extLst>
       <p:ext uri="{BB962C8B-B14F-4D97-AF65-F5344CB8AC3E}">
@@ -3906,6 +3932,408 @@
     <p:extLst>
       <p:ext uri="{BB962C8B-B14F-4D97-AF65-F5344CB8AC3E}">
         <p14:creationId xmlns:p14="http://schemas.microsoft.com/office/powerpoint/2010/main" val="1271059314"/>
+      </p:ext>
+    </p:extLst>
+  </p:cSld>
+  <p:clrMapOvr>
+    <a:masterClrMapping/>
+  </p:clrMapOvr>
+</p:sld>
+</file>
+
+<file path=ppt/slides/slide4.xml><?xml version="1.0" encoding="utf-8"?>
+<p:sld xmlns:a="http://schemas.openxmlformats.org/drawingml/2006/main" xmlns:r="http://schemas.openxmlformats.org/officeDocument/2006/relationships" xmlns:p="http://schemas.openxmlformats.org/presentationml/2006/main">
+  <p:cSld>
+    <p:spTree>
+      <p:nvGrpSpPr>
+        <p:cNvPr id="1" name=""/>
+        <p:cNvGrpSpPr/>
+        <p:nvPr/>
+      </p:nvGrpSpPr>
+      <p:grpSpPr>
+        <a:xfrm>
+          <a:off x="0" y="0"/>
+          <a:ext cx="0" cy="0"/>
+          <a:chOff x="0" y="0"/>
+          <a:chExt cx="0" cy="0"/>
+        </a:xfrm>
+      </p:grpSpPr>
+      <p:sp>
+        <p:nvSpPr>
+          <p:cNvPr id="6" name="Title 1">
+            <a:extLst>
+              <a:ext uri="{FF2B5EF4-FFF2-40B4-BE49-F238E27FC236}">
+                <a16:creationId xmlns:a16="http://schemas.microsoft.com/office/drawing/2014/main" id="{C55B2351-AA5E-45B8-B16E-67E758F91B84}"/>
+              </a:ext>
+            </a:extLst>
+          </p:cNvPr>
+          <p:cNvSpPr txBox="1">
+            <a:spLocks/>
+          </p:cNvSpPr>
+          <p:nvPr/>
+        </p:nvSpPr>
+        <p:spPr>
+          <a:xfrm>
+            <a:off x="583474" y="1227910"/>
+            <a:ext cx="3274423" cy="5007428"/>
+          </a:xfrm>
+          <a:prstGeom prst="rect">
+            <a:avLst/>
+          </a:prstGeom>
+          <a:solidFill>
+            <a:schemeClr val="bg1">
+              <a:lumMod val="95000"/>
+            </a:schemeClr>
+          </a:solidFill>
+        </p:spPr>
+        <p:txBody>
+          <a:bodyPr anchor="b"/>
+          <a:lstStyle>
+            <a:lvl1pPr algn="l" defTabSz="914400" rtl="0" eaLnBrk="1" latinLnBrk="0" hangingPunct="1">
+              <a:lnSpc>
+                <a:spcPct val="90000"/>
+              </a:lnSpc>
+              <a:spcBef>
+                <a:spcPct val="0"/>
+              </a:spcBef>
+              <a:buNone/>
+              <a:defRPr sz="4400" kern="1200">
+                <a:solidFill>
+                  <a:schemeClr val="tx1"/>
+                </a:solidFill>
+                <a:latin typeface="+mj-lt"/>
+                <a:ea typeface="+mj-ea"/>
+                <a:cs typeface="+mj-cs"/>
+              </a:defRPr>
+            </a:lvl1pPr>
+          </a:lstStyle>
+          <a:p>
+            <a:r>
+              <a:rPr lang="es-ES" sz="3200" i="1" dirty="0" err="1">
+                <a:solidFill>
+                  <a:srgbClr val="FF5E61"/>
+                </a:solidFill>
+                <a:latin typeface="Open sans extrabold" panose="020B0906030804020204" pitchFamily="34" charset="0"/>
+                <a:ea typeface="Open sans extrabold" panose="020B0906030804020204" pitchFamily="34" charset="0"/>
+                <a:cs typeface="Open sans extrabold" panose="020B0906030804020204" pitchFamily="34" charset="0"/>
+              </a:rPr>
+              <a:t>Thelast</a:t>
+            </a:r>
+            <a:endParaRPr lang="es-ES" sz="3200" i="1" dirty="0">
+              <a:solidFill>
+                <a:srgbClr val="FF5E61"/>
+              </a:solidFill>
+              <a:latin typeface="Open sans extrabold" panose="020B0906030804020204" pitchFamily="34" charset="0"/>
+              <a:ea typeface="Open sans extrabold" panose="020B0906030804020204" pitchFamily="34" charset="0"/>
+              <a:cs typeface="Open sans extrabold" panose="020B0906030804020204" pitchFamily="34" charset="0"/>
+            </a:endParaRPr>
+          </a:p>
+        </p:txBody>
+      </p:sp>
+      <p:sp>
+        <p:nvSpPr>
+          <p:cNvPr id="7" name="Title 1">
+            <a:extLst>
+              <a:ext uri="{FF2B5EF4-FFF2-40B4-BE49-F238E27FC236}">
+                <a16:creationId xmlns:a16="http://schemas.microsoft.com/office/drawing/2014/main" id="{1B95E105-23F4-43E8-9EAD-AB86E35B3B17}"/>
+              </a:ext>
+            </a:extLst>
+          </p:cNvPr>
+          <p:cNvSpPr txBox="1">
+            <a:spLocks/>
+          </p:cNvSpPr>
+          <p:nvPr/>
+        </p:nvSpPr>
+        <p:spPr>
+          <a:xfrm>
+            <a:off x="6801395" y="2973982"/>
+            <a:ext cx="2865120" cy="2081349"/>
+          </a:xfrm>
+          <a:prstGeom prst="rect">
+            <a:avLst/>
+          </a:prstGeom>
+          <a:solidFill>
+            <a:schemeClr val="bg1">
+              <a:lumMod val="95000"/>
+            </a:schemeClr>
+          </a:solidFill>
+        </p:spPr>
+        <p:txBody>
+          <a:bodyPr anchor="b"/>
+          <a:lstStyle>
+            <a:lvl1pPr algn="l" defTabSz="914400" rtl="0" eaLnBrk="1" latinLnBrk="0" hangingPunct="1">
+              <a:lnSpc>
+                <a:spcPct val="90000"/>
+              </a:lnSpc>
+              <a:spcBef>
+                <a:spcPct val="0"/>
+              </a:spcBef>
+              <a:buNone/>
+              <a:defRPr sz="4400" kern="1200">
+                <a:solidFill>
+                  <a:schemeClr val="tx1"/>
+                </a:solidFill>
+                <a:latin typeface="+mj-lt"/>
+                <a:ea typeface="+mj-ea"/>
+                <a:cs typeface="+mj-cs"/>
+              </a:defRPr>
+            </a:lvl1pPr>
+          </a:lstStyle>
+          <a:p>
+            <a:r>
+              <a:rPr lang="es-ES" sz="2800" i="1" dirty="0" err="1">
+                <a:solidFill>
+                  <a:schemeClr val="accent1">
+                    <a:lumMod val="60000"/>
+                    <a:lumOff val="40000"/>
+                  </a:schemeClr>
+                </a:solidFill>
+                <a:latin typeface="Open sans extrabold" panose="020B0906030804020204" pitchFamily="34" charset="0"/>
+                <a:ea typeface="Open sans extrabold" panose="020B0906030804020204" pitchFamily="34" charset="0"/>
+                <a:cs typeface="Open sans extrabold" panose="020B0906030804020204" pitchFamily="34" charset="0"/>
+              </a:rPr>
+              <a:t>Thelast</a:t>
+            </a:r>
+            <a:endParaRPr lang="es-ES" sz="2000" i="1" dirty="0">
+              <a:solidFill>
+                <a:schemeClr val="accent1">
+                  <a:lumMod val="60000"/>
+                  <a:lumOff val="40000"/>
+                </a:schemeClr>
+              </a:solidFill>
+              <a:latin typeface="Open sans extrabold" panose="020B0906030804020204" pitchFamily="34" charset="0"/>
+              <a:ea typeface="Open sans extrabold" panose="020B0906030804020204" pitchFamily="34" charset="0"/>
+              <a:cs typeface="Open sans extrabold" panose="020B0906030804020204" pitchFamily="34" charset="0"/>
+            </a:endParaRPr>
+          </a:p>
+        </p:txBody>
+      </p:sp>
+      <p:grpSp>
+        <p:nvGrpSpPr>
+          <p:cNvPr id="16" name="Group 15">
+            <a:extLst>
+              <a:ext uri="{FF2B5EF4-FFF2-40B4-BE49-F238E27FC236}">
+                <a16:creationId xmlns:a16="http://schemas.microsoft.com/office/drawing/2014/main" id="{F87230CF-8ABC-4FED-989B-E4E852E89C73}"/>
+              </a:ext>
+            </a:extLst>
+          </p:cNvPr>
+          <p:cNvGrpSpPr/>
+          <p:nvPr/>
+        </p:nvGrpSpPr>
+        <p:grpSpPr>
+          <a:xfrm>
+            <a:off x="7973133" y="509458"/>
+            <a:ext cx="3091107" cy="2081349"/>
+            <a:chOff x="7973133" y="509458"/>
+            <a:chExt cx="3091107" cy="2081349"/>
+          </a:xfrm>
+        </p:grpSpPr>
+        <p:sp>
+          <p:nvSpPr>
+            <p:cNvPr id="9" name="Title 1">
+              <a:extLst>
+                <a:ext uri="{FF2B5EF4-FFF2-40B4-BE49-F238E27FC236}">
+                  <a16:creationId xmlns:a16="http://schemas.microsoft.com/office/drawing/2014/main" id="{DC74D0CB-1F1A-4F66-AC41-CC64B90C2983}"/>
+                </a:ext>
+              </a:extLst>
+            </p:cNvPr>
+            <p:cNvSpPr txBox="1">
+              <a:spLocks/>
+            </p:cNvSpPr>
+            <p:nvPr/>
+          </p:nvSpPr>
+          <p:spPr>
+            <a:xfrm>
+              <a:off x="8199120" y="509458"/>
+              <a:ext cx="2865120" cy="2081349"/>
+            </a:xfrm>
+            <a:prstGeom prst="rect">
+              <a:avLst/>
+            </a:prstGeom>
+            <a:noFill/>
+          </p:spPr>
+          <p:txBody>
+            <a:bodyPr anchor="b"/>
+            <a:lstStyle>
+              <a:lvl1pPr algn="l" defTabSz="914400" rtl="0" eaLnBrk="1" latinLnBrk="0" hangingPunct="1">
+                <a:lnSpc>
+                  <a:spcPct val="90000"/>
+                </a:lnSpc>
+                <a:spcBef>
+                  <a:spcPct val="0"/>
+                </a:spcBef>
+                <a:buNone/>
+                <a:defRPr sz="4400" kern="1200">
+                  <a:solidFill>
+                    <a:schemeClr val="tx1"/>
+                  </a:solidFill>
+                  <a:latin typeface="+mj-lt"/>
+                  <a:ea typeface="+mj-ea"/>
+                  <a:cs typeface="+mj-cs"/>
+                </a:defRPr>
+              </a:lvl1pPr>
+            </a:lstStyle>
+            <a:p>
+              <a:r>
+                <a:rPr lang="es-ES" sz="2800" i="1" dirty="0">
+                  <a:solidFill>
+                    <a:srgbClr val="FF5E61"/>
+                  </a:solidFill>
+                  <a:latin typeface="Open sans extrabold" panose="020B0906030804020204" pitchFamily="34" charset="0"/>
+                  <a:ea typeface="Open sans extrabold" panose="020B0906030804020204" pitchFamily="34" charset="0"/>
+                  <a:cs typeface="Open sans extrabold" panose="020B0906030804020204" pitchFamily="34" charset="0"/>
+                </a:rPr>
+                <a:t>    </a:t>
+              </a:r>
+              <a:r>
+                <a:rPr lang="es-ES" sz="2800" dirty="0" err="1">
+                  <a:solidFill>
+                    <a:schemeClr val="tx1">
+                      <a:lumMod val="75000"/>
+                      <a:lumOff val="25000"/>
+                    </a:schemeClr>
+                  </a:solidFill>
+                  <a:latin typeface="Open Sans semibold" panose="020B0706030804020204" pitchFamily="34" charset="0"/>
+                  <a:ea typeface="Open Sans semibold" panose="020B0706030804020204" pitchFamily="34" charset="0"/>
+                  <a:cs typeface="Open Sans semibold" panose="020B0706030804020204" pitchFamily="34" charset="0"/>
+                </a:rPr>
+                <a:t>Thelast</a:t>
+              </a:r>
+              <a:endParaRPr lang="es-ES" sz="2800" dirty="0">
+                <a:solidFill>
+                  <a:schemeClr val="tx1">
+                    <a:lumMod val="75000"/>
+                    <a:lumOff val="25000"/>
+                  </a:schemeClr>
+                </a:solidFill>
+                <a:latin typeface="Open Sans semibold" panose="020B0706030804020204" pitchFamily="34" charset="0"/>
+                <a:ea typeface="Open Sans semibold" panose="020B0706030804020204" pitchFamily="34" charset="0"/>
+                <a:cs typeface="Open Sans semibold" panose="020B0706030804020204" pitchFamily="34" charset="0"/>
+              </a:endParaRPr>
+            </a:p>
+          </p:txBody>
+        </p:sp>
+        <p:grpSp>
+          <p:nvGrpSpPr>
+            <p:cNvPr id="15" name="Group 14">
+              <a:extLst>
+                <a:ext uri="{FF2B5EF4-FFF2-40B4-BE49-F238E27FC236}">
+                  <a16:creationId xmlns:a16="http://schemas.microsoft.com/office/drawing/2014/main" id="{E5541F3D-F69D-4302-879C-A6370D3D45E7}"/>
+                </a:ext>
+              </a:extLst>
+            </p:cNvPr>
+            <p:cNvGrpSpPr/>
+            <p:nvPr/>
+          </p:nvGrpSpPr>
+          <p:grpSpPr>
+            <a:xfrm>
+              <a:off x="7973133" y="1799192"/>
+              <a:ext cx="721943" cy="721943"/>
+              <a:chOff x="2698350" y="692331"/>
+              <a:chExt cx="4767072" cy="4767072"/>
+            </a:xfrm>
+          </p:grpSpPr>
+          <p:sp>
+            <p:nvSpPr>
+              <p:cNvPr id="14" name="Rectangle 13">
+                <a:extLst>
+                  <a:ext uri="{FF2B5EF4-FFF2-40B4-BE49-F238E27FC236}">
+                    <a16:creationId xmlns:a16="http://schemas.microsoft.com/office/drawing/2014/main" id="{554958C6-0F07-45CF-B261-BCB2277D9240}"/>
+                  </a:ext>
+                </a:extLst>
+              </p:cNvPr>
+              <p:cNvSpPr/>
+              <p:nvPr/>
+            </p:nvSpPr>
+            <p:spPr>
+              <a:xfrm>
+                <a:off x="4050574" y="2847703"/>
+                <a:ext cx="2115095" cy="2020388"/>
+              </a:xfrm>
+              <a:prstGeom prst="rect">
+                <a:avLst/>
+              </a:prstGeom>
+              <a:noFill/>
+            </p:spPr>
+            <p:style>
+              <a:lnRef idx="2">
+                <a:schemeClr val="accent1">
+                  <a:shade val="50000"/>
+                </a:schemeClr>
+              </a:lnRef>
+              <a:fillRef idx="1">
+                <a:schemeClr val="accent1"/>
+              </a:fillRef>
+              <a:effectRef idx="0">
+                <a:schemeClr val="accent1"/>
+              </a:effectRef>
+              <a:fontRef idx="minor">
+                <a:schemeClr val="lt1"/>
+              </a:fontRef>
+            </p:style>
+            <p:txBody>
+              <a:bodyPr rtlCol="0" anchor="ctr"/>
+              <a:lstStyle/>
+              <a:p>
+                <a:pPr algn="ctr"/>
+                <a:endParaRPr lang="es-ES"/>
+              </a:p>
+            </p:txBody>
+          </p:sp>
+          <p:pic>
+            <p:nvPicPr>
+              <p:cNvPr id="13" name="Picture 12">
+                <a:extLst>
+                  <a:ext uri="{FF2B5EF4-FFF2-40B4-BE49-F238E27FC236}">
+                    <a16:creationId xmlns:a16="http://schemas.microsoft.com/office/drawing/2014/main" id="{73E3FDBC-A155-4828-A599-D09D1D618606}"/>
+                  </a:ext>
+                </a:extLst>
+              </p:cNvPr>
+              <p:cNvPicPr>
+                <a:picLocks noChangeAspect="1"/>
+              </p:cNvPicPr>
+              <p:nvPr/>
+            </p:nvPicPr>
+            <p:blipFill>
+              <a:blip r:embed="rId2">
+                <a:extLst>
+                  <a:ext uri="{BEBA8EAE-BF5A-486C-A8C5-ECC9F3942E4B}">
+                    <a14:imgProps xmlns:a14="http://schemas.microsoft.com/office/drawing/2010/main">
+                      <a14:imgLayer r:embed="rId3">
+                        <a14:imgEffect>
+                          <a14:backgroundRemoval t="6266" b="92839" l="9847" r="89898">
+                            <a14:foregroundMark x1="46036" y1="92839" x2="46036" y2="92839"/>
+                            <a14:foregroundMark x1="56266" y1="6266" x2="56266" y2="6266"/>
+                          </a14:backgroundRemoval>
+                        </a14:imgEffect>
+                      </a14:imgLayer>
+                    </a14:imgProps>
+                  </a:ext>
+                  <a:ext uri="{28A0092B-C50C-407E-A947-70E740481C1C}">
+                    <a14:useLocalDpi xmlns:a14="http://schemas.microsoft.com/office/drawing/2010/main" val="0"/>
+                  </a:ext>
+                </a:extLst>
+              </a:blip>
+              <a:stretch>
+                <a:fillRect/>
+              </a:stretch>
+            </p:blipFill>
+            <p:spPr>
+              <a:xfrm>
+                <a:off x="2698350" y="692331"/>
+                <a:ext cx="4767072" cy="4767072"/>
+              </a:xfrm>
+              <a:prstGeom prst="rect">
+                <a:avLst/>
+              </a:prstGeom>
+            </p:spPr>
+          </p:pic>
+        </p:grpSp>
+      </p:grpSp>
+    </p:spTree>
+    <p:extLst>
+      <p:ext uri="{BB962C8B-B14F-4D97-AF65-F5344CB8AC3E}">
+        <p14:creationId xmlns:p14="http://schemas.microsoft.com/office/powerpoint/2010/main" val="2239610905"/>
       </p:ext>
     </p:extLst>
   </p:cSld>
